--- a/pre/dataPreprocessing/dataPreprocessing接7g.pptx
+++ b/pre/dataPreprocessing/dataPreprocessing接7g.pptx
@@ -10,6 +10,7 @@
     <p:sldId id="257" r:id="rId4"/>
     <p:sldId id="259" r:id="rId5"/>
     <p:sldId id="260" r:id="rId6"/>
+    <p:sldId id="261" r:id="rId7"/>
   </p:sldIdLst>
   <p:sldSz cx="12192000" cy="6858000"/>
   <p:notesSz cx="6858000" cy="9144000"/>
@@ -4596,6 +4597,171 @@
 </p:sld>
 </file>
 
+<file path=ppt/slides/slide6.xml><?xml version="1.0" encoding="utf-8"?>
+<p:sld xmlns:a="http://schemas.openxmlformats.org/drawingml/2006/main" xmlns:r="http://schemas.openxmlformats.org/officeDocument/2006/relationships" xmlns:p="http://schemas.openxmlformats.org/presentationml/2006/main">
+  <p:cSld>
+    <p:spTree>
+      <p:nvGrpSpPr>
+        <p:cNvPr id="1" name=""/>
+        <p:cNvGrpSpPr/>
+        <p:nvPr/>
+      </p:nvGrpSpPr>
+      <p:grpSpPr>
+        <a:xfrm>
+          <a:off x="0" y="0"/>
+          <a:ext cx="0" cy="0"/>
+          <a:chOff x="0" y="0"/>
+          <a:chExt cx="0" cy="0"/>
+        </a:xfrm>
+      </p:grpSpPr>
+      <p:sp>
+        <p:nvSpPr>
+          <p:cNvPr id="2" name="标题 1">
+            <a:extLst>
+              <a:ext uri="{FF2B5EF4-FFF2-40B4-BE49-F238E27FC236}">
+                <a16:creationId xmlns:a16="http://schemas.microsoft.com/office/drawing/2014/main" id="{CF45DCF0-F922-4F6A-BF12-958770DEB2F1}"/>
+              </a:ext>
+            </a:extLst>
+          </p:cNvPr>
+          <p:cNvSpPr>
+            <a:spLocks noGrp="1"/>
+          </p:cNvSpPr>
+          <p:nvPr>
+            <p:ph type="title"/>
+          </p:nvPr>
+        </p:nvSpPr>
+        <p:spPr/>
+        <p:txBody>
+          <a:bodyPr/>
+          <a:lstStyle/>
+          <a:p>
+            <a:r>
+              <a:rPr lang="en-US" altLang="zh-CN" dirty="0"/>
+              <a:t>Feature Construction Demo</a:t>
+            </a:r>
+            <a:endParaRPr lang="zh-CN" altLang="en-US" dirty="0"/>
+          </a:p>
+        </p:txBody>
+      </p:sp>
+      <p:pic>
+        <p:nvPicPr>
+          <p:cNvPr id="7" name="图片 6">
+            <a:extLst>
+              <a:ext uri="{FF2B5EF4-FFF2-40B4-BE49-F238E27FC236}">
+                <a16:creationId xmlns:a16="http://schemas.microsoft.com/office/drawing/2014/main" id="{6B50E533-51C4-44AD-9F08-E433399FB431}"/>
+              </a:ext>
+            </a:extLst>
+          </p:cNvPr>
+          <p:cNvPicPr>
+            <a:picLocks noChangeAspect="1"/>
+          </p:cNvPicPr>
+          <p:nvPr/>
+        </p:nvPicPr>
+        <p:blipFill>
+          <a:blip r:embed="rId2"/>
+          <a:stretch>
+            <a:fillRect/>
+          </a:stretch>
+        </p:blipFill>
+        <p:spPr>
+          <a:xfrm>
+            <a:off x="611144" y="1516699"/>
+            <a:ext cx="5165307" cy="4314654"/>
+          </a:xfrm>
+          <a:prstGeom prst="rect">
+            <a:avLst/>
+          </a:prstGeom>
+        </p:spPr>
+      </p:pic>
+      <p:pic>
+        <p:nvPicPr>
+          <p:cNvPr id="9" name="图片 8">
+            <a:extLst>
+              <a:ext uri="{FF2B5EF4-FFF2-40B4-BE49-F238E27FC236}">
+                <a16:creationId xmlns:a16="http://schemas.microsoft.com/office/drawing/2014/main" id="{E58F1953-CC92-4D29-9DFA-6FCC3C0B8558}"/>
+              </a:ext>
+            </a:extLst>
+          </p:cNvPr>
+          <p:cNvPicPr>
+            <a:picLocks noChangeAspect="1"/>
+          </p:cNvPicPr>
+          <p:nvPr/>
+        </p:nvPicPr>
+        <p:blipFill>
+          <a:blip r:embed="rId3"/>
+          <a:stretch>
+            <a:fillRect/>
+          </a:stretch>
+        </p:blipFill>
+        <p:spPr>
+          <a:xfrm>
+            <a:off x="7647816" y="903449"/>
+            <a:ext cx="3769140" cy="5135971"/>
+          </a:xfrm>
+          <a:prstGeom prst="rect">
+            <a:avLst/>
+          </a:prstGeom>
+        </p:spPr>
+      </p:pic>
+      <p:sp>
+        <p:nvSpPr>
+          <p:cNvPr id="10" name="箭头: 右 9">
+            <a:extLst>
+              <a:ext uri="{FF2B5EF4-FFF2-40B4-BE49-F238E27FC236}">
+                <a16:creationId xmlns:a16="http://schemas.microsoft.com/office/drawing/2014/main" id="{CA0CE72C-12DC-4845-A036-7489DFB0E9D0}"/>
+              </a:ext>
+            </a:extLst>
+          </p:cNvPr>
+          <p:cNvSpPr/>
+          <p:nvPr/>
+        </p:nvSpPr>
+        <p:spPr>
+          <a:xfrm>
+            <a:off x="6222506" y="3551767"/>
+            <a:ext cx="765698" cy="418508"/>
+          </a:xfrm>
+          <a:prstGeom prst="rightArrow">
+            <a:avLst/>
+          </a:prstGeom>
+        </p:spPr>
+        <p:style>
+          <a:lnRef idx="2">
+            <a:schemeClr val="accent1">
+              <a:shade val="50000"/>
+            </a:schemeClr>
+          </a:lnRef>
+          <a:fillRef idx="1">
+            <a:schemeClr val="accent1"/>
+          </a:fillRef>
+          <a:effectRef idx="0">
+            <a:schemeClr val="accent1"/>
+          </a:effectRef>
+          <a:fontRef idx="minor">
+            <a:schemeClr val="lt1"/>
+          </a:fontRef>
+        </p:style>
+        <p:txBody>
+          <a:bodyPr rtlCol="0" anchor="ctr"/>
+          <a:lstStyle/>
+          <a:p>
+            <a:pPr algn="ctr"/>
+            <a:endParaRPr lang="zh-CN" altLang="en-US"/>
+          </a:p>
+        </p:txBody>
+      </p:sp>
+    </p:spTree>
+    <p:extLst>
+      <p:ext uri="{BB962C8B-B14F-4D97-AF65-F5344CB8AC3E}">
+        <p14:creationId xmlns:p14="http://schemas.microsoft.com/office/powerpoint/2010/main" val="811073262"/>
+      </p:ext>
+    </p:extLst>
+  </p:cSld>
+  <p:clrMapOvr>
+    <a:masterClrMapping/>
+  </p:clrMapOvr>
+</p:sld>
+</file>
+
 <file path=ppt/theme/theme1.xml><?xml version="1.0" encoding="utf-8"?>
 <a:theme xmlns:a="http://schemas.openxmlformats.org/drawingml/2006/main" name="Office 主题​​">
   <a:themeElements>
